--- a/ppt 16-9/0404.今生不比永恒长.pptx
+++ b/ppt 16-9/0404.今生不比永恒长.pptx
@@ -5,7 +5,7 @@
     <p:sldMasterId id="2147483648" r:id="rId1"/>
   </p:sldMasterIdLst>
   <p:sldIdLst>
-    <p:sldId id="2876" r:id="rId2"/>
+    <p:sldId id="2877" r:id="rId2"/>
   </p:sldIdLst>
   <p:sldSz cx="12192000" cy="6858000"/>
   <p:notesSz cx="6858000" cy="9144000"/>
@@ -129,7 +129,7 @@
           <p:cNvPr id="2" name="标题 1">
             <a:extLst>
               <a:ext uri="{FF2B5EF4-FFF2-40B4-BE49-F238E27FC236}">
-                <a16:creationId xmlns:a16="http://schemas.microsoft.com/office/drawing/2014/main" id="{62EBE33F-CD60-CEC4-A527-40FEAC60D83E}"/>
+                <a16:creationId xmlns:a16="http://schemas.microsoft.com/office/drawing/2014/main" id="{967287BE-635A-7B88-9D30-5A8027948EED}"/>
               </a:ext>
             </a:extLst>
           </p:cNvPr>
@@ -166,7 +166,7 @@
           <p:cNvPr id="3" name="副标题 2">
             <a:extLst>
               <a:ext uri="{FF2B5EF4-FFF2-40B4-BE49-F238E27FC236}">
-                <a16:creationId xmlns:a16="http://schemas.microsoft.com/office/drawing/2014/main" id="{C1D33D2C-9EFB-CA2E-5F85-0E5D5255B18F}"/>
+                <a16:creationId xmlns:a16="http://schemas.microsoft.com/office/drawing/2014/main" id="{1A3CE9E7-59CF-D0B8-643D-C6AEC546EEDD}"/>
               </a:ext>
             </a:extLst>
           </p:cNvPr>
@@ -236,7 +236,7 @@
           <p:cNvPr id="4" name="日期占位符 3">
             <a:extLst>
               <a:ext uri="{FF2B5EF4-FFF2-40B4-BE49-F238E27FC236}">
-                <a16:creationId xmlns:a16="http://schemas.microsoft.com/office/drawing/2014/main" id="{F2307CB7-AD7D-391D-46D0-8764C7114B34}"/>
+                <a16:creationId xmlns:a16="http://schemas.microsoft.com/office/drawing/2014/main" id="{02A599E3-53DC-251E-F530-1FD6248F70BD}"/>
               </a:ext>
             </a:extLst>
           </p:cNvPr>
@@ -252,7 +252,7 @@
           <a:bodyPr/>
           <a:lstStyle/>
           <a:p>
-            <a:fld id="{5AA515F3-6695-4DE3-8B18-C9C5F0BC15E4}" type="datetimeFigureOut">
+            <a:fld id="{6FA233B1-A11D-48BA-AE03-0277F67C2DB3}" type="datetimeFigureOut">
               <a:rPr lang="zh-CN" altLang="en-US" smtClean="0"/>
               <a:t>2024/3/10</a:t>
             </a:fld>
@@ -265,7 +265,7 @@
           <p:cNvPr id="5" name="页脚占位符 4">
             <a:extLst>
               <a:ext uri="{FF2B5EF4-FFF2-40B4-BE49-F238E27FC236}">
-                <a16:creationId xmlns:a16="http://schemas.microsoft.com/office/drawing/2014/main" id="{AE84EA0D-6978-AD65-F829-01094FCDD347}"/>
+                <a16:creationId xmlns:a16="http://schemas.microsoft.com/office/drawing/2014/main" id="{261817E7-61CD-53A7-BE48-F6FB2FDD354D}"/>
               </a:ext>
             </a:extLst>
           </p:cNvPr>
@@ -290,7 +290,7 @@
           <p:cNvPr id="6" name="灯片编号占位符 5">
             <a:extLst>
               <a:ext uri="{FF2B5EF4-FFF2-40B4-BE49-F238E27FC236}">
-                <a16:creationId xmlns:a16="http://schemas.microsoft.com/office/drawing/2014/main" id="{0332D858-38FA-2E39-36B4-DBBA3BB93482}"/>
+                <a16:creationId xmlns:a16="http://schemas.microsoft.com/office/drawing/2014/main" id="{4B6055B1-B31B-306E-0676-386B17F5D62C}"/>
               </a:ext>
             </a:extLst>
           </p:cNvPr>
@@ -306,7 +306,7 @@
           <a:bodyPr/>
           <a:lstStyle/>
           <a:p>
-            <a:fld id="{1FCD674C-25E6-49CA-81EF-482AF7C2B56D}" type="slidenum">
+            <a:fld id="{47E6BA46-9E07-4799-8CCE-7EB2DF42C247}" type="slidenum">
               <a:rPr lang="zh-CN" altLang="en-US" smtClean="0"/>
               <a:t>‹#›</a:t>
             </a:fld>
@@ -317,7 +317,7 @@
     </p:spTree>
     <p:extLst>
       <p:ext uri="{BB962C8B-B14F-4D97-AF65-F5344CB8AC3E}">
-        <p14:creationId xmlns:p14="http://schemas.microsoft.com/office/powerpoint/2010/main" val="140672776"/>
+        <p14:creationId xmlns:p14="http://schemas.microsoft.com/office/powerpoint/2010/main" val="3243326328"/>
       </p:ext>
     </p:extLst>
   </p:cSld>
@@ -349,7 +349,7 @@
           <p:cNvPr id="2" name="标题 1">
             <a:extLst>
               <a:ext uri="{FF2B5EF4-FFF2-40B4-BE49-F238E27FC236}">
-                <a16:creationId xmlns:a16="http://schemas.microsoft.com/office/drawing/2014/main" id="{81ABC692-8D96-C545-8DFD-51F30CBC0384}"/>
+                <a16:creationId xmlns:a16="http://schemas.microsoft.com/office/drawing/2014/main" id="{A9B9E34A-C9D7-48E4-3299-D853EF473A37}"/>
               </a:ext>
             </a:extLst>
           </p:cNvPr>
@@ -377,7 +377,7 @@
           <p:cNvPr id="3" name="竖排文字占位符 2">
             <a:extLst>
               <a:ext uri="{FF2B5EF4-FFF2-40B4-BE49-F238E27FC236}">
-                <a16:creationId xmlns:a16="http://schemas.microsoft.com/office/drawing/2014/main" id="{9FBE66A8-378B-4B7C-F27F-CDFD3B4DFBA2}"/>
+                <a16:creationId xmlns:a16="http://schemas.microsoft.com/office/drawing/2014/main" id="{BFBBDB20-CBA9-CAAE-6B4B-5C6B978CDA66}"/>
               </a:ext>
             </a:extLst>
           </p:cNvPr>
@@ -434,7 +434,7 @@
           <p:cNvPr id="4" name="日期占位符 3">
             <a:extLst>
               <a:ext uri="{FF2B5EF4-FFF2-40B4-BE49-F238E27FC236}">
-                <a16:creationId xmlns:a16="http://schemas.microsoft.com/office/drawing/2014/main" id="{C5985C2C-CA9D-6D31-22ED-5907532DB591}"/>
+                <a16:creationId xmlns:a16="http://schemas.microsoft.com/office/drawing/2014/main" id="{DB26D419-B703-9C91-5552-EFE7560A7EEC}"/>
               </a:ext>
             </a:extLst>
           </p:cNvPr>
@@ -450,7 +450,7 @@
           <a:bodyPr/>
           <a:lstStyle/>
           <a:p>
-            <a:fld id="{5AA515F3-6695-4DE3-8B18-C9C5F0BC15E4}" type="datetimeFigureOut">
+            <a:fld id="{6FA233B1-A11D-48BA-AE03-0277F67C2DB3}" type="datetimeFigureOut">
               <a:rPr lang="zh-CN" altLang="en-US" smtClean="0"/>
               <a:t>2024/3/10</a:t>
             </a:fld>
@@ -463,7 +463,7 @@
           <p:cNvPr id="5" name="页脚占位符 4">
             <a:extLst>
               <a:ext uri="{FF2B5EF4-FFF2-40B4-BE49-F238E27FC236}">
-                <a16:creationId xmlns:a16="http://schemas.microsoft.com/office/drawing/2014/main" id="{6375A684-C96D-4128-072F-84341FEF4925}"/>
+                <a16:creationId xmlns:a16="http://schemas.microsoft.com/office/drawing/2014/main" id="{00532B5C-281A-3D3B-BC7A-9C5B42D032C4}"/>
               </a:ext>
             </a:extLst>
           </p:cNvPr>
@@ -488,7 +488,7 @@
           <p:cNvPr id="6" name="灯片编号占位符 5">
             <a:extLst>
               <a:ext uri="{FF2B5EF4-FFF2-40B4-BE49-F238E27FC236}">
-                <a16:creationId xmlns:a16="http://schemas.microsoft.com/office/drawing/2014/main" id="{50FB9A45-08E5-A5E6-C50E-5A48943B4E0C}"/>
+                <a16:creationId xmlns:a16="http://schemas.microsoft.com/office/drawing/2014/main" id="{9CC76BD4-C0AA-4CDD-CC20-0DD0C79A507C}"/>
               </a:ext>
             </a:extLst>
           </p:cNvPr>
@@ -504,7 +504,7 @@
           <a:bodyPr/>
           <a:lstStyle/>
           <a:p>
-            <a:fld id="{1FCD674C-25E6-49CA-81EF-482AF7C2B56D}" type="slidenum">
+            <a:fld id="{47E6BA46-9E07-4799-8CCE-7EB2DF42C247}" type="slidenum">
               <a:rPr lang="zh-CN" altLang="en-US" smtClean="0"/>
               <a:t>‹#›</a:t>
             </a:fld>
@@ -515,7 +515,7 @@
     </p:spTree>
     <p:extLst>
       <p:ext uri="{BB962C8B-B14F-4D97-AF65-F5344CB8AC3E}">
-        <p14:creationId xmlns:p14="http://schemas.microsoft.com/office/powerpoint/2010/main" val="2055034903"/>
+        <p14:creationId xmlns:p14="http://schemas.microsoft.com/office/powerpoint/2010/main" val="2231633339"/>
       </p:ext>
     </p:extLst>
   </p:cSld>
@@ -547,7 +547,7 @@
           <p:cNvPr id="2" name="竖排标题 1">
             <a:extLst>
               <a:ext uri="{FF2B5EF4-FFF2-40B4-BE49-F238E27FC236}">
-                <a16:creationId xmlns:a16="http://schemas.microsoft.com/office/drawing/2014/main" id="{0DBA2144-4B6D-64C5-6DE2-46A6B1A2D0E3}"/>
+                <a16:creationId xmlns:a16="http://schemas.microsoft.com/office/drawing/2014/main" id="{05430D94-8E9F-A670-4A07-90F9A18488D2}"/>
               </a:ext>
             </a:extLst>
           </p:cNvPr>
@@ -580,7 +580,7 @@
           <p:cNvPr id="3" name="竖排文字占位符 2">
             <a:extLst>
               <a:ext uri="{FF2B5EF4-FFF2-40B4-BE49-F238E27FC236}">
-                <a16:creationId xmlns:a16="http://schemas.microsoft.com/office/drawing/2014/main" id="{53A89803-F4BA-7FED-C243-ACC1E0FF0137}"/>
+                <a16:creationId xmlns:a16="http://schemas.microsoft.com/office/drawing/2014/main" id="{0EF289AC-72C5-BCF0-9CB4-A2EBC34DF304}"/>
               </a:ext>
             </a:extLst>
           </p:cNvPr>
@@ -642,7 +642,7 @@
           <p:cNvPr id="4" name="日期占位符 3">
             <a:extLst>
               <a:ext uri="{FF2B5EF4-FFF2-40B4-BE49-F238E27FC236}">
-                <a16:creationId xmlns:a16="http://schemas.microsoft.com/office/drawing/2014/main" id="{EFED2571-29E8-7509-5A45-0C6B8879DA69}"/>
+                <a16:creationId xmlns:a16="http://schemas.microsoft.com/office/drawing/2014/main" id="{A465795A-81EC-6B0F-446D-975A8DA0D7E1}"/>
               </a:ext>
             </a:extLst>
           </p:cNvPr>
@@ -658,7 +658,7 @@
           <a:bodyPr/>
           <a:lstStyle/>
           <a:p>
-            <a:fld id="{5AA515F3-6695-4DE3-8B18-C9C5F0BC15E4}" type="datetimeFigureOut">
+            <a:fld id="{6FA233B1-A11D-48BA-AE03-0277F67C2DB3}" type="datetimeFigureOut">
               <a:rPr lang="zh-CN" altLang="en-US" smtClean="0"/>
               <a:t>2024/3/10</a:t>
             </a:fld>
@@ -671,7 +671,7 @@
           <p:cNvPr id="5" name="页脚占位符 4">
             <a:extLst>
               <a:ext uri="{FF2B5EF4-FFF2-40B4-BE49-F238E27FC236}">
-                <a16:creationId xmlns:a16="http://schemas.microsoft.com/office/drawing/2014/main" id="{B4C7D91E-DC17-C40E-056E-09D6AFE4D372}"/>
+                <a16:creationId xmlns:a16="http://schemas.microsoft.com/office/drawing/2014/main" id="{6BAE3A8C-776A-19F9-72A1-133DE58228CD}"/>
               </a:ext>
             </a:extLst>
           </p:cNvPr>
@@ -696,7 +696,7 @@
           <p:cNvPr id="6" name="灯片编号占位符 5">
             <a:extLst>
               <a:ext uri="{FF2B5EF4-FFF2-40B4-BE49-F238E27FC236}">
-                <a16:creationId xmlns:a16="http://schemas.microsoft.com/office/drawing/2014/main" id="{D7F49816-BF91-A8D8-3B4A-CE5BD4638DC6}"/>
+                <a16:creationId xmlns:a16="http://schemas.microsoft.com/office/drawing/2014/main" id="{A861C74B-4D0A-C9C6-AB4B-DECFFA77750C}"/>
               </a:ext>
             </a:extLst>
           </p:cNvPr>
@@ -712,7 +712,7 @@
           <a:bodyPr/>
           <a:lstStyle/>
           <a:p>
-            <a:fld id="{1FCD674C-25E6-49CA-81EF-482AF7C2B56D}" type="slidenum">
+            <a:fld id="{47E6BA46-9E07-4799-8CCE-7EB2DF42C247}" type="slidenum">
               <a:rPr lang="zh-CN" altLang="en-US" smtClean="0"/>
               <a:t>‹#›</a:t>
             </a:fld>
@@ -723,7 +723,7 @@
     </p:spTree>
     <p:extLst>
       <p:ext uri="{BB962C8B-B14F-4D97-AF65-F5344CB8AC3E}">
-        <p14:creationId xmlns:p14="http://schemas.microsoft.com/office/powerpoint/2010/main" val="3750603004"/>
+        <p14:creationId xmlns:p14="http://schemas.microsoft.com/office/powerpoint/2010/main" val="2182923714"/>
       </p:ext>
     </p:extLst>
   </p:cSld>
@@ -755,7 +755,7 @@
           <p:cNvPr id="2" name="标题 1">
             <a:extLst>
               <a:ext uri="{FF2B5EF4-FFF2-40B4-BE49-F238E27FC236}">
-                <a16:creationId xmlns:a16="http://schemas.microsoft.com/office/drawing/2014/main" id="{A32D5E41-DF8B-0D43-E986-A59C29AA6ADD}"/>
+                <a16:creationId xmlns:a16="http://schemas.microsoft.com/office/drawing/2014/main" id="{A1DFC6FE-AC06-A46F-2CB1-A37B9907C393}"/>
               </a:ext>
             </a:extLst>
           </p:cNvPr>
@@ -783,7 +783,7 @@
           <p:cNvPr id="3" name="内容占位符 2">
             <a:extLst>
               <a:ext uri="{FF2B5EF4-FFF2-40B4-BE49-F238E27FC236}">
-                <a16:creationId xmlns:a16="http://schemas.microsoft.com/office/drawing/2014/main" id="{671558FF-82EB-C3D7-48FE-2E31662E009C}"/>
+                <a16:creationId xmlns:a16="http://schemas.microsoft.com/office/drawing/2014/main" id="{07010ED5-5A8A-DC93-476F-B58C22C60DF9}"/>
               </a:ext>
             </a:extLst>
           </p:cNvPr>
@@ -840,7 +840,7 @@
           <p:cNvPr id="4" name="日期占位符 3">
             <a:extLst>
               <a:ext uri="{FF2B5EF4-FFF2-40B4-BE49-F238E27FC236}">
-                <a16:creationId xmlns:a16="http://schemas.microsoft.com/office/drawing/2014/main" id="{FB3A6D61-9DC8-05AC-E506-8F8AEC0B3347}"/>
+                <a16:creationId xmlns:a16="http://schemas.microsoft.com/office/drawing/2014/main" id="{ADD280E6-CDFE-26D3-91EA-748845437E86}"/>
               </a:ext>
             </a:extLst>
           </p:cNvPr>
@@ -856,7 +856,7 @@
           <a:bodyPr/>
           <a:lstStyle/>
           <a:p>
-            <a:fld id="{5AA515F3-6695-4DE3-8B18-C9C5F0BC15E4}" type="datetimeFigureOut">
+            <a:fld id="{6FA233B1-A11D-48BA-AE03-0277F67C2DB3}" type="datetimeFigureOut">
               <a:rPr lang="zh-CN" altLang="en-US" smtClean="0"/>
               <a:t>2024/3/10</a:t>
             </a:fld>
@@ -869,7 +869,7 @@
           <p:cNvPr id="5" name="页脚占位符 4">
             <a:extLst>
               <a:ext uri="{FF2B5EF4-FFF2-40B4-BE49-F238E27FC236}">
-                <a16:creationId xmlns:a16="http://schemas.microsoft.com/office/drawing/2014/main" id="{F003FB97-CB1F-9510-3B6D-8617D9515D4C}"/>
+                <a16:creationId xmlns:a16="http://schemas.microsoft.com/office/drawing/2014/main" id="{554F0767-8224-D2A1-D569-2525FE7BF49B}"/>
               </a:ext>
             </a:extLst>
           </p:cNvPr>
@@ -894,7 +894,7 @@
           <p:cNvPr id="6" name="灯片编号占位符 5">
             <a:extLst>
               <a:ext uri="{FF2B5EF4-FFF2-40B4-BE49-F238E27FC236}">
-                <a16:creationId xmlns:a16="http://schemas.microsoft.com/office/drawing/2014/main" id="{1AD41B79-55DD-9E29-3554-24C70245A7FA}"/>
+                <a16:creationId xmlns:a16="http://schemas.microsoft.com/office/drawing/2014/main" id="{A5D0B03A-0C96-B8DD-99BC-5C1D34C88F4A}"/>
               </a:ext>
             </a:extLst>
           </p:cNvPr>
@@ -910,7 +910,7 @@
           <a:bodyPr/>
           <a:lstStyle/>
           <a:p>
-            <a:fld id="{1FCD674C-25E6-49CA-81EF-482AF7C2B56D}" type="slidenum">
+            <a:fld id="{47E6BA46-9E07-4799-8CCE-7EB2DF42C247}" type="slidenum">
               <a:rPr lang="zh-CN" altLang="en-US" smtClean="0"/>
               <a:t>‹#›</a:t>
             </a:fld>
@@ -921,7 +921,7 @@
     </p:spTree>
     <p:extLst>
       <p:ext uri="{BB962C8B-B14F-4D97-AF65-F5344CB8AC3E}">
-        <p14:creationId xmlns:p14="http://schemas.microsoft.com/office/powerpoint/2010/main" val="522757808"/>
+        <p14:creationId xmlns:p14="http://schemas.microsoft.com/office/powerpoint/2010/main" val="842492913"/>
       </p:ext>
     </p:extLst>
   </p:cSld>
@@ -953,7 +953,7 @@
           <p:cNvPr id="2" name="标题 1">
             <a:extLst>
               <a:ext uri="{FF2B5EF4-FFF2-40B4-BE49-F238E27FC236}">
-                <a16:creationId xmlns:a16="http://schemas.microsoft.com/office/drawing/2014/main" id="{6318EA44-FD1C-90ED-DA4D-77D64EA846CA}"/>
+                <a16:creationId xmlns:a16="http://schemas.microsoft.com/office/drawing/2014/main" id="{B1C9B9D6-9242-B93A-1220-A59CA47A36A2}"/>
               </a:ext>
             </a:extLst>
           </p:cNvPr>
@@ -990,7 +990,7 @@
           <p:cNvPr id="3" name="文本占位符 2">
             <a:extLst>
               <a:ext uri="{FF2B5EF4-FFF2-40B4-BE49-F238E27FC236}">
-                <a16:creationId xmlns:a16="http://schemas.microsoft.com/office/drawing/2014/main" id="{A8F2BA35-04B7-5D32-9598-FEE1DC310911}"/>
+                <a16:creationId xmlns:a16="http://schemas.microsoft.com/office/drawing/2014/main" id="{1875EBD9-8778-72FC-607A-12442F77B483}"/>
               </a:ext>
             </a:extLst>
           </p:cNvPr>
@@ -1115,7 +1115,7 @@
           <p:cNvPr id="4" name="日期占位符 3">
             <a:extLst>
               <a:ext uri="{FF2B5EF4-FFF2-40B4-BE49-F238E27FC236}">
-                <a16:creationId xmlns:a16="http://schemas.microsoft.com/office/drawing/2014/main" id="{BB4F8016-5CB3-6E61-85C1-41241806F0C4}"/>
+                <a16:creationId xmlns:a16="http://schemas.microsoft.com/office/drawing/2014/main" id="{896715B5-6A0F-4907-2B29-27813C2E0860}"/>
               </a:ext>
             </a:extLst>
           </p:cNvPr>
@@ -1131,7 +1131,7 @@
           <a:bodyPr/>
           <a:lstStyle/>
           <a:p>
-            <a:fld id="{5AA515F3-6695-4DE3-8B18-C9C5F0BC15E4}" type="datetimeFigureOut">
+            <a:fld id="{6FA233B1-A11D-48BA-AE03-0277F67C2DB3}" type="datetimeFigureOut">
               <a:rPr lang="zh-CN" altLang="en-US" smtClean="0"/>
               <a:t>2024/3/10</a:t>
             </a:fld>
@@ -1144,7 +1144,7 @@
           <p:cNvPr id="5" name="页脚占位符 4">
             <a:extLst>
               <a:ext uri="{FF2B5EF4-FFF2-40B4-BE49-F238E27FC236}">
-                <a16:creationId xmlns:a16="http://schemas.microsoft.com/office/drawing/2014/main" id="{7B07C641-7E31-1884-6686-41B0900728E8}"/>
+                <a16:creationId xmlns:a16="http://schemas.microsoft.com/office/drawing/2014/main" id="{3ACEC019-5375-57F8-D90D-7DCED93BD09F}"/>
               </a:ext>
             </a:extLst>
           </p:cNvPr>
@@ -1169,7 +1169,7 @@
           <p:cNvPr id="6" name="灯片编号占位符 5">
             <a:extLst>
               <a:ext uri="{FF2B5EF4-FFF2-40B4-BE49-F238E27FC236}">
-                <a16:creationId xmlns:a16="http://schemas.microsoft.com/office/drawing/2014/main" id="{95998E54-5B14-A486-2ED8-877D49632B40}"/>
+                <a16:creationId xmlns:a16="http://schemas.microsoft.com/office/drawing/2014/main" id="{5943FD99-8151-DAF6-B05D-335BDF11CB64}"/>
               </a:ext>
             </a:extLst>
           </p:cNvPr>
@@ -1185,7 +1185,7 @@
           <a:bodyPr/>
           <a:lstStyle/>
           <a:p>
-            <a:fld id="{1FCD674C-25E6-49CA-81EF-482AF7C2B56D}" type="slidenum">
+            <a:fld id="{47E6BA46-9E07-4799-8CCE-7EB2DF42C247}" type="slidenum">
               <a:rPr lang="zh-CN" altLang="en-US" smtClean="0"/>
               <a:t>‹#›</a:t>
             </a:fld>
@@ -1196,7 +1196,7 @@
     </p:spTree>
     <p:extLst>
       <p:ext uri="{BB962C8B-B14F-4D97-AF65-F5344CB8AC3E}">
-        <p14:creationId xmlns:p14="http://schemas.microsoft.com/office/powerpoint/2010/main" val="4283958705"/>
+        <p14:creationId xmlns:p14="http://schemas.microsoft.com/office/powerpoint/2010/main" val="2786010756"/>
       </p:ext>
     </p:extLst>
   </p:cSld>
@@ -1228,7 +1228,7 @@
           <p:cNvPr id="2" name="标题 1">
             <a:extLst>
               <a:ext uri="{FF2B5EF4-FFF2-40B4-BE49-F238E27FC236}">
-                <a16:creationId xmlns:a16="http://schemas.microsoft.com/office/drawing/2014/main" id="{52031E77-2F85-2045-7C5A-F2F1A4C20E34}"/>
+                <a16:creationId xmlns:a16="http://schemas.microsoft.com/office/drawing/2014/main" id="{0CD0B6F3-1B56-5CBF-5C99-FCC479410F99}"/>
               </a:ext>
             </a:extLst>
           </p:cNvPr>
@@ -1256,7 +1256,7 @@
           <p:cNvPr id="3" name="内容占位符 2">
             <a:extLst>
               <a:ext uri="{FF2B5EF4-FFF2-40B4-BE49-F238E27FC236}">
-                <a16:creationId xmlns:a16="http://schemas.microsoft.com/office/drawing/2014/main" id="{434378F3-A9BD-7FB3-544C-E968DBD045A8}"/>
+                <a16:creationId xmlns:a16="http://schemas.microsoft.com/office/drawing/2014/main" id="{E703D541-97A9-A955-9F8B-69FF18325538}"/>
               </a:ext>
             </a:extLst>
           </p:cNvPr>
@@ -1318,7 +1318,7 @@
           <p:cNvPr id="4" name="内容占位符 3">
             <a:extLst>
               <a:ext uri="{FF2B5EF4-FFF2-40B4-BE49-F238E27FC236}">
-                <a16:creationId xmlns:a16="http://schemas.microsoft.com/office/drawing/2014/main" id="{BFD807CA-819B-0CB1-2159-7BD64AD57690}"/>
+                <a16:creationId xmlns:a16="http://schemas.microsoft.com/office/drawing/2014/main" id="{789A5941-42C1-1A9F-64A4-044F7CDCF0AF}"/>
               </a:ext>
             </a:extLst>
           </p:cNvPr>
@@ -1380,7 +1380,7 @@
           <p:cNvPr id="5" name="日期占位符 4">
             <a:extLst>
               <a:ext uri="{FF2B5EF4-FFF2-40B4-BE49-F238E27FC236}">
-                <a16:creationId xmlns:a16="http://schemas.microsoft.com/office/drawing/2014/main" id="{9F3058ED-4FED-D0F2-98ED-479874557EBD}"/>
+                <a16:creationId xmlns:a16="http://schemas.microsoft.com/office/drawing/2014/main" id="{CD66355C-8C0D-C929-B77B-E6DC4C2A87D7}"/>
               </a:ext>
             </a:extLst>
           </p:cNvPr>
@@ -1396,7 +1396,7 @@
           <a:bodyPr/>
           <a:lstStyle/>
           <a:p>
-            <a:fld id="{5AA515F3-6695-4DE3-8B18-C9C5F0BC15E4}" type="datetimeFigureOut">
+            <a:fld id="{6FA233B1-A11D-48BA-AE03-0277F67C2DB3}" type="datetimeFigureOut">
               <a:rPr lang="zh-CN" altLang="en-US" smtClean="0"/>
               <a:t>2024/3/10</a:t>
             </a:fld>
@@ -1409,7 +1409,7 @@
           <p:cNvPr id="6" name="页脚占位符 5">
             <a:extLst>
               <a:ext uri="{FF2B5EF4-FFF2-40B4-BE49-F238E27FC236}">
-                <a16:creationId xmlns:a16="http://schemas.microsoft.com/office/drawing/2014/main" id="{0117A6FF-FCEF-E2DC-5924-2880EC262A25}"/>
+                <a16:creationId xmlns:a16="http://schemas.microsoft.com/office/drawing/2014/main" id="{402D8040-FA00-79DE-3000-AC45C905EF3F}"/>
               </a:ext>
             </a:extLst>
           </p:cNvPr>
@@ -1434,7 +1434,7 @@
           <p:cNvPr id="7" name="灯片编号占位符 6">
             <a:extLst>
               <a:ext uri="{FF2B5EF4-FFF2-40B4-BE49-F238E27FC236}">
-                <a16:creationId xmlns:a16="http://schemas.microsoft.com/office/drawing/2014/main" id="{5C7DABC8-0DDF-5FDD-0A62-6340552CA71F}"/>
+                <a16:creationId xmlns:a16="http://schemas.microsoft.com/office/drawing/2014/main" id="{355020F6-0899-92E5-22BE-C5EE97C740B8}"/>
               </a:ext>
             </a:extLst>
           </p:cNvPr>
@@ -1450,7 +1450,7 @@
           <a:bodyPr/>
           <a:lstStyle/>
           <a:p>
-            <a:fld id="{1FCD674C-25E6-49CA-81EF-482AF7C2B56D}" type="slidenum">
+            <a:fld id="{47E6BA46-9E07-4799-8CCE-7EB2DF42C247}" type="slidenum">
               <a:rPr lang="zh-CN" altLang="en-US" smtClean="0"/>
               <a:t>‹#›</a:t>
             </a:fld>
@@ -1461,7 +1461,7 @@
     </p:spTree>
     <p:extLst>
       <p:ext uri="{BB962C8B-B14F-4D97-AF65-F5344CB8AC3E}">
-        <p14:creationId xmlns:p14="http://schemas.microsoft.com/office/powerpoint/2010/main" val="1416265506"/>
+        <p14:creationId xmlns:p14="http://schemas.microsoft.com/office/powerpoint/2010/main" val="120804592"/>
       </p:ext>
     </p:extLst>
   </p:cSld>
@@ -1493,7 +1493,7 @@
           <p:cNvPr id="2" name="标题 1">
             <a:extLst>
               <a:ext uri="{FF2B5EF4-FFF2-40B4-BE49-F238E27FC236}">
-                <a16:creationId xmlns:a16="http://schemas.microsoft.com/office/drawing/2014/main" id="{0B1E775C-02FF-FF5C-DEB6-C110FD0A81E6}"/>
+                <a16:creationId xmlns:a16="http://schemas.microsoft.com/office/drawing/2014/main" id="{0EF06FFC-E4BD-B8B2-D5B2-678EFB459DD4}"/>
               </a:ext>
             </a:extLst>
           </p:cNvPr>
@@ -1526,7 +1526,7 @@
           <p:cNvPr id="3" name="文本占位符 2">
             <a:extLst>
               <a:ext uri="{FF2B5EF4-FFF2-40B4-BE49-F238E27FC236}">
-                <a16:creationId xmlns:a16="http://schemas.microsoft.com/office/drawing/2014/main" id="{F02393E2-62A8-3363-F19E-1D5EBA8F70C4}"/>
+                <a16:creationId xmlns:a16="http://schemas.microsoft.com/office/drawing/2014/main" id="{D6870D25-DFB4-A233-695A-0E105409BF6E}"/>
               </a:ext>
             </a:extLst>
           </p:cNvPr>
@@ -1597,7 +1597,7 @@
           <p:cNvPr id="4" name="内容占位符 3">
             <a:extLst>
               <a:ext uri="{FF2B5EF4-FFF2-40B4-BE49-F238E27FC236}">
-                <a16:creationId xmlns:a16="http://schemas.microsoft.com/office/drawing/2014/main" id="{549055A6-376B-4BA0-218E-4C8B40B4C697}"/>
+                <a16:creationId xmlns:a16="http://schemas.microsoft.com/office/drawing/2014/main" id="{53461BE3-DA19-92AE-0CCD-2F8FEC961029}"/>
               </a:ext>
             </a:extLst>
           </p:cNvPr>
@@ -1659,7 +1659,7 @@
           <p:cNvPr id="5" name="文本占位符 4">
             <a:extLst>
               <a:ext uri="{FF2B5EF4-FFF2-40B4-BE49-F238E27FC236}">
-                <a16:creationId xmlns:a16="http://schemas.microsoft.com/office/drawing/2014/main" id="{3FA3B369-3B6F-107F-4CCA-CC6AE0284E98}"/>
+                <a16:creationId xmlns:a16="http://schemas.microsoft.com/office/drawing/2014/main" id="{37AA475E-0990-493D-1602-394D58FB8113}"/>
               </a:ext>
             </a:extLst>
           </p:cNvPr>
@@ -1730,7 +1730,7 @@
           <p:cNvPr id="6" name="内容占位符 5">
             <a:extLst>
               <a:ext uri="{FF2B5EF4-FFF2-40B4-BE49-F238E27FC236}">
-                <a16:creationId xmlns:a16="http://schemas.microsoft.com/office/drawing/2014/main" id="{69BEDC9F-F268-F5C2-2C0D-F6F530858366}"/>
+                <a16:creationId xmlns:a16="http://schemas.microsoft.com/office/drawing/2014/main" id="{1EA9F719-9F61-3456-CB5F-B7B5F30A3C25}"/>
               </a:ext>
             </a:extLst>
           </p:cNvPr>
@@ -1792,7 +1792,7 @@
           <p:cNvPr id="7" name="日期占位符 6">
             <a:extLst>
               <a:ext uri="{FF2B5EF4-FFF2-40B4-BE49-F238E27FC236}">
-                <a16:creationId xmlns:a16="http://schemas.microsoft.com/office/drawing/2014/main" id="{587A9A4A-14B5-7BE5-8CD4-078D0C22D1AB}"/>
+                <a16:creationId xmlns:a16="http://schemas.microsoft.com/office/drawing/2014/main" id="{B0CABA48-F6BE-4CD4-AC03-239425AF8535}"/>
               </a:ext>
             </a:extLst>
           </p:cNvPr>
@@ -1808,7 +1808,7 @@
           <a:bodyPr/>
           <a:lstStyle/>
           <a:p>
-            <a:fld id="{5AA515F3-6695-4DE3-8B18-C9C5F0BC15E4}" type="datetimeFigureOut">
+            <a:fld id="{6FA233B1-A11D-48BA-AE03-0277F67C2DB3}" type="datetimeFigureOut">
               <a:rPr lang="zh-CN" altLang="en-US" smtClean="0"/>
               <a:t>2024/3/10</a:t>
             </a:fld>
@@ -1821,7 +1821,7 @@
           <p:cNvPr id="8" name="页脚占位符 7">
             <a:extLst>
               <a:ext uri="{FF2B5EF4-FFF2-40B4-BE49-F238E27FC236}">
-                <a16:creationId xmlns:a16="http://schemas.microsoft.com/office/drawing/2014/main" id="{A7F61411-324D-CD58-0B3E-592229498C37}"/>
+                <a16:creationId xmlns:a16="http://schemas.microsoft.com/office/drawing/2014/main" id="{2B48CBB7-8E56-BAB5-6DC7-7929DFFDCEF7}"/>
               </a:ext>
             </a:extLst>
           </p:cNvPr>
@@ -1846,7 +1846,7 @@
           <p:cNvPr id="9" name="灯片编号占位符 8">
             <a:extLst>
               <a:ext uri="{FF2B5EF4-FFF2-40B4-BE49-F238E27FC236}">
-                <a16:creationId xmlns:a16="http://schemas.microsoft.com/office/drawing/2014/main" id="{29DF814F-4637-5F1E-147C-F14E2A4C7B9C}"/>
+                <a16:creationId xmlns:a16="http://schemas.microsoft.com/office/drawing/2014/main" id="{A7D18329-30DE-0FB0-697A-BEA38471E694}"/>
               </a:ext>
             </a:extLst>
           </p:cNvPr>
@@ -1862,7 +1862,7 @@
           <a:bodyPr/>
           <a:lstStyle/>
           <a:p>
-            <a:fld id="{1FCD674C-25E6-49CA-81EF-482AF7C2B56D}" type="slidenum">
+            <a:fld id="{47E6BA46-9E07-4799-8CCE-7EB2DF42C247}" type="slidenum">
               <a:rPr lang="zh-CN" altLang="en-US" smtClean="0"/>
               <a:t>‹#›</a:t>
             </a:fld>
@@ -1873,7 +1873,7 @@
     </p:spTree>
     <p:extLst>
       <p:ext uri="{BB962C8B-B14F-4D97-AF65-F5344CB8AC3E}">
-        <p14:creationId xmlns:p14="http://schemas.microsoft.com/office/powerpoint/2010/main" val="3478895103"/>
+        <p14:creationId xmlns:p14="http://schemas.microsoft.com/office/powerpoint/2010/main" val="1570552552"/>
       </p:ext>
     </p:extLst>
   </p:cSld>
@@ -1905,7 +1905,7 @@
           <p:cNvPr id="2" name="标题 1">
             <a:extLst>
               <a:ext uri="{FF2B5EF4-FFF2-40B4-BE49-F238E27FC236}">
-                <a16:creationId xmlns:a16="http://schemas.microsoft.com/office/drawing/2014/main" id="{2457520F-7F7F-1806-4AC1-F7BAD5988DC9}"/>
+                <a16:creationId xmlns:a16="http://schemas.microsoft.com/office/drawing/2014/main" id="{DB7FAF11-A7BF-308B-28B4-015CEE6CD4FC}"/>
               </a:ext>
             </a:extLst>
           </p:cNvPr>
@@ -1933,7 +1933,7 @@
           <p:cNvPr id="3" name="日期占位符 2">
             <a:extLst>
               <a:ext uri="{FF2B5EF4-FFF2-40B4-BE49-F238E27FC236}">
-                <a16:creationId xmlns:a16="http://schemas.microsoft.com/office/drawing/2014/main" id="{9D789BEA-083D-AFD1-30EE-60A40A384FAF}"/>
+                <a16:creationId xmlns:a16="http://schemas.microsoft.com/office/drawing/2014/main" id="{25036441-B6A2-6A80-04E6-C8D8F95EE47B}"/>
               </a:ext>
             </a:extLst>
           </p:cNvPr>
@@ -1949,7 +1949,7 @@
           <a:bodyPr/>
           <a:lstStyle/>
           <a:p>
-            <a:fld id="{5AA515F3-6695-4DE3-8B18-C9C5F0BC15E4}" type="datetimeFigureOut">
+            <a:fld id="{6FA233B1-A11D-48BA-AE03-0277F67C2DB3}" type="datetimeFigureOut">
               <a:rPr lang="zh-CN" altLang="en-US" smtClean="0"/>
               <a:t>2024/3/10</a:t>
             </a:fld>
@@ -1962,7 +1962,7 @@
           <p:cNvPr id="4" name="页脚占位符 3">
             <a:extLst>
               <a:ext uri="{FF2B5EF4-FFF2-40B4-BE49-F238E27FC236}">
-                <a16:creationId xmlns:a16="http://schemas.microsoft.com/office/drawing/2014/main" id="{52633362-AA6D-58D5-5117-3287E02FB0A1}"/>
+                <a16:creationId xmlns:a16="http://schemas.microsoft.com/office/drawing/2014/main" id="{2FAB11F8-E927-3529-CF5C-366720D9AD47}"/>
               </a:ext>
             </a:extLst>
           </p:cNvPr>
@@ -1987,7 +1987,7 @@
           <p:cNvPr id="5" name="灯片编号占位符 4">
             <a:extLst>
               <a:ext uri="{FF2B5EF4-FFF2-40B4-BE49-F238E27FC236}">
-                <a16:creationId xmlns:a16="http://schemas.microsoft.com/office/drawing/2014/main" id="{3F2923EC-5753-5AE0-273F-834293F7FE03}"/>
+                <a16:creationId xmlns:a16="http://schemas.microsoft.com/office/drawing/2014/main" id="{9A2C461A-0606-56D9-9237-3F71FA0B1495}"/>
               </a:ext>
             </a:extLst>
           </p:cNvPr>
@@ -2003,7 +2003,7 @@
           <a:bodyPr/>
           <a:lstStyle/>
           <a:p>
-            <a:fld id="{1FCD674C-25E6-49CA-81EF-482AF7C2B56D}" type="slidenum">
+            <a:fld id="{47E6BA46-9E07-4799-8CCE-7EB2DF42C247}" type="slidenum">
               <a:rPr lang="zh-CN" altLang="en-US" smtClean="0"/>
               <a:t>‹#›</a:t>
             </a:fld>
@@ -2014,7 +2014,7 @@
     </p:spTree>
     <p:extLst>
       <p:ext uri="{BB962C8B-B14F-4D97-AF65-F5344CB8AC3E}">
-        <p14:creationId xmlns:p14="http://schemas.microsoft.com/office/powerpoint/2010/main" val="917575648"/>
+        <p14:creationId xmlns:p14="http://schemas.microsoft.com/office/powerpoint/2010/main" val="2869835388"/>
       </p:ext>
     </p:extLst>
   </p:cSld>
@@ -2046,7 +2046,7 @@
           <p:cNvPr id="2" name="日期占位符 1">
             <a:extLst>
               <a:ext uri="{FF2B5EF4-FFF2-40B4-BE49-F238E27FC236}">
-                <a16:creationId xmlns:a16="http://schemas.microsoft.com/office/drawing/2014/main" id="{9BEB4EF0-3B8A-F697-B0D3-E826AD76EAD4}"/>
+                <a16:creationId xmlns:a16="http://schemas.microsoft.com/office/drawing/2014/main" id="{7EC1C6E4-ABCF-2B17-FEC7-04C1CB48D6ED}"/>
               </a:ext>
             </a:extLst>
           </p:cNvPr>
@@ -2062,7 +2062,7 @@
           <a:bodyPr/>
           <a:lstStyle/>
           <a:p>
-            <a:fld id="{5AA515F3-6695-4DE3-8B18-C9C5F0BC15E4}" type="datetimeFigureOut">
+            <a:fld id="{6FA233B1-A11D-48BA-AE03-0277F67C2DB3}" type="datetimeFigureOut">
               <a:rPr lang="zh-CN" altLang="en-US" smtClean="0"/>
               <a:t>2024/3/10</a:t>
             </a:fld>
@@ -2075,7 +2075,7 @@
           <p:cNvPr id="3" name="页脚占位符 2">
             <a:extLst>
               <a:ext uri="{FF2B5EF4-FFF2-40B4-BE49-F238E27FC236}">
-                <a16:creationId xmlns:a16="http://schemas.microsoft.com/office/drawing/2014/main" id="{C801F286-314F-CC9E-1582-7CC46AC35931}"/>
+                <a16:creationId xmlns:a16="http://schemas.microsoft.com/office/drawing/2014/main" id="{299BE42F-EE98-4CE5-77F6-201E5B12BA58}"/>
               </a:ext>
             </a:extLst>
           </p:cNvPr>
@@ -2100,7 +2100,7 @@
           <p:cNvPr id="4" name="灯片编号占位符 3">
             <a:extLst>
               <a:ext uri="{FF2B5EF4-FFF2-40B4-BE49-F238E27FC236}">
-                <a16:creationId xmlns:a16="http://schemas.microsoft.com/office/drawing/2014/main" id="{8CEE9C67-290A-1E28-7842-81B07B8CF116}"/>
+                <a16:creationId xmlns:a16="http://schemas.microsoft.com/office/drawing/2014/main" id="{94AE4A21-B69A-E60D-4E0F-4119EA1A9BDE}"/>
               </a:ext>
             </a:extLst>
           </p:cNvPr>
@@ -2116,7 +2116,7 @@
           <a:bodyPr/>
           <a:lstStyle/>
           <a:p>
-            <a:fld id="{1FCD674C-25E6-49CA-81EF-482AF7C2B56D}" type="slidenum">
+            <a:fld id="{47E6BA46-9E07-4799-8CCE-7EB2DF42C247}" type="slidenum">
               <a:rPr lang="zh-CN" altLang="en-US" smtClean="0"/>
               <a:t>‹#›</a:t>
             </a:fld>
@@ -2127,7 +2127,7 @@
     </p:spTree>
     <p:extLst>
       <p:ext uri="{BB962C8B-B14F-4D97-AF65-F5344CB8AC3E}">
-        <p14:creationId xmlns:p14="http://schemas.microsoft.com/office/powerpoint/2010/main" val="2456577571"/>
+        <p14:creationId xmlns:p14="http://schemas.microsoft.com/office/powerpoint/2010/main" val="1480190114"/>
       </p:ext>
     </p:extLst>
   </p:cSld>
@@ -2159,7 +2159,7 @@
           <p:cNvPr id="2" name="标题 1">
             <a:extLst>
               <a:ext uri="{FF2B5EF4-FFF2-40B4-BE49-F238E27FC236}">
-                <a16:creationId xmlns:a16="http://schemas.microsoft.com/office/drawing/2014/main" id="{46D74AF1-6BDB-CEA6-B8CD-C917484C7D7D}"/>
+                <a16:creationId xmlns:a16="http://schemas.microsoft.com/office/drawing/2014/main" id="{A16F8F83-9669-79A0-DE13-9282E257371D}"/>
               </a:ext>
             </a:extLst>
           </p:cNvPr>
@@ -2196,7 +2196,7 @@
           <p:cNvPr id="3" name="内容占位符 2">
             <a:extLst>
               <a:ext uri="{FF2B5EF4-FFF2-40B4-BE49-F238E27FC236}">
-                <a16:creationId xmlns:a16="http://schemas.microsoft.com/office/drawing/2014/main" id="{2AFECD11-C7C4-2A19-066C-F1FFCF1BD99F}"/>
+                <a16:creationId xmlns:a16="http://schemas.microsoft.com/office/drawing/2014/main" id="{AA352D43-176E-0907-37B3-0725C6690E90}"/>
               </a:ext>
             </a:extLst>
           </p:cNvPr>
@@ -2286,7 +2286,7 @@
           <p:cNvPr id="4" name="文本占位符 3">
             <a:extLst>
               <a:ext uri="{FF2B5EF4-FFF2-40B4-BE49-F238E27FC236}">
-                <a16:creationId xmlns:a16="http://schemas.microsoft.com/office/drawing/2014/main" id="{BF9EFB7B-7C74-BF8D-BB80-ECF56C549021}"/>
+                <a16:creationId xmlns:a16="http://schemas.microsoft.com/office/drawing/2014/main" id="{AA27646E-1ABA-6D1F-092B-4EC61DD3ADDE}"/>
               </a:ext>
             </a:extLst>
           </p:cNvPr>
@@ -2357,7 +2357,7 @@
           <p:cNvPr id="5" name="日期占位符 4">
             <a:extLst>
               <a:ext uri="{FF2B5EF4-FFF2-40B4-BE49-F238E27FC236}">
-                <a16:creationId xmlns:a16="http://schemas.microsoft.com/office/drawing/2014/main" id="{AC16BAAE-37CF-07A8-0469-FE71EEE16AF5}"/>
+                <a16:creationId xmlns:a16="http://schemas.microsoft.com/office/drawing/2014/main" id="{97ABA360-2A4D-0BCD-116E-BE5345DCDEBA}"/>
               </a:ext>
             </a:extLst>
           </p:cNvPr>
@@ -2373,7 +2373,7 @@
           <a:bodyPr/>
           <a:lstStyle/>
           <a:p>
-            <a:fld id="{5AA515F3-6695-4DE3-8B18-C9C5F0BC15E4}" type="datetimeFigureOut">
+            <a:fld id="{6FA233B1-A11D-48BA-AE03-0277F67C2DB3}" type="datetimeFigureOut">
               <a:rPr lang="zh-CN" altLang="en-US" smtClean="0"/>
               <a:t>2024/3/10</a:t>
             </a:fld>
@@ -2386,7 +2386,7 @@
           <p:cNvPr id="6" name="页脚占位符 5">
             <a:extLst>
               <a:ext uri="{FF2B5EF4-FFF2-40B4-BE49-F238E27FC236}">
-                <a16:creationId xmlns:a16="http://schemas.microsoft.com/office/drawing/2014/main" id="{9F17F1CE-6ABA-716C-0F62-F9ACB4BA31E8}"/>
+                <a16:creationId xmlns:a16="http://schemas.microsoft.com/office/drawing/2014/main" id="{ED92BC73-814E-E6B4-CE76-327690EB669A}"/>
               </a:ext>
             </a:extLst>
           </p:cNvPr>
@@ -2411,7 +2411,7 @@
           <p:cNvPr id="7" name="灯片编号占位符 6">
             <a:extLst>
               <a:ext uri="{FF2B5EF4-FFF2-40B4-BE49-F238E27FC236}">
-                <a16:creationId xmlns:a16="http://schemas.microsoft.com/office/drawing/2014/main" id="{4FFC3FA6-B478-F402-58FD-E834C3784085}"/>
+                <a16:creationId xmlns:a16="http://schemas.microsoft.com/office/drawing/2014/main" id="{8F46F5B6-F69A-466E-7866-D36367BE3CB7}"/>
               </a:ext>
             </a:extLst>
           </p:cNvPr>
@@ -2427,7 +2427,7 @@
           <a:bodyPr/>
           <a:lstStyle/>
           <a:p>
-            <a:fld id="{1FCD674C-25E6-49CA-81EF-482AF7C2B56D}" type="slidenum">
+            <a:fld id="{47E6BA46-9E07-4799-8CCE-7EB2DF42C247}" type="slidenum">
               <a:rPr lang="zh-CN" altLang="en-US" smtClean="0"/>
               <a:t>‹#›</a:t>
             </a:fld>
@@ -2438,7 +2438,7 @@
     </p:spTree>
     <p:extLst>
       <p:ext uri="{BB962C8B-B14F-4D97-AF65-F5344CB8AC3E}">
-        <p14:creationId xmlns:p14="http://schemas.microsoft.com/office/powerpoint/2010/main" val="3809560328"/>
+        <p14:creationId xmlns:p14="http://schemas.microsoft.com/office/powerpoint/2010/main" val="2328369510"/>
       </p:ext>
     </p:extLst>
   </p:cSld>
@@ -2470,7 +2470,7 @@
           <p:cNvPr id="2" name="标题 1">
             <a:extLst>
               <a:ext uri="{FF2B5EF4-FFF2-40B4-BE49-F238E27FC236}">
-                <a16:creationId xmlns:a16="http://schemas.microsoft.com/office/drawing/2014/main" id="{9A327795-A853-BB01-5E93-4A2240B32298}"/>
+                <a16:creationId xmlns:a16="http://schemas.microsoft.com/office/drawing/2014/main" id="{8FB1771F-75E4-3B28-8201-97555278D101}"/>
               </a:ext>
             </a:extLst>
           </p:cNvPr>
@@ -2507,7 +2507,7 @@
           <p:cNvPr id="3" name="图片占位符 2">
             <a:extLst>
               <a:ext uri="{FF2B5EF4-FFF2-40B4-BE49-F238E27FC236}">
-                <a16:creationId xmlns:a16="http://schemas.microsoft.com/office/drawing/2014/main" id="{6F9BEC47-60ED-B279-7A72-9594C57416D4}"/>
+                <a16:creationId xmlns:a16="http://schemas.microsoft.com/office/drawing/2014/main" id="{11BA97A4-2184-F2A9-AC3F-E762F4891500}"/>
               </a:ext>
             </a:extLst>
           </p:cNvPr>
@@ -2574,7 +2574,7 @@
           <p:cNvPr id="4" name="文本占位符 3">
             <a:extLst>
               <a:ext uri="{FF2B5EF4-FFF2-40B4-BE49-F238E27FC236}">
-                <a16:creationId xmlns:a16="http://schemas.microsoft.com/office/drawing/2014/main" id="{C49D54FC-43F4-C1E3-BAE1-DFDD4EC249A4}"/>
+                <a16:creationId xmlns:a16="http://schemas.microsoft.com/office/drawing/2014/main" id="{3EC7013A-6DEB-8EE9-8274-CA6EC88D23A8}"/>
               </a:ext>
             </a:extLst>
           </p:cNvPr>
@@ -2645,7 +2645,7 @@
           <p:cNvPr id="5" name="日期占位符 4">
             <a:extLst>
               <a:ext uri="{FF2B5EF4-FFF2-40B4-BE49-F238E27FC236}">
-                <a16:creationId xmlns:a16="http://schemas.microsoft.com/office/drawing/2014/main" id="{ACA3008E-A4AE-4335-389B-9E2218FF7157}"/>
+                <a16:creationId xmlns:a16="http://schemas.microsoft.com/office/drawing/2014/main" id="{C7BF8ACB-4EA2-99E7-E779-E604F1FC22F7}"/>
               </a:ext>
             </a:extLst>
           </p:cNvPr>
@@ -2661,7 +2661,7 @@
           <a:bodyPr/>
           <a:lstStyle/>
           <a:p>
-            <a:fld id="{5AA515F3-6695-4DE3-8B18-C9C5F0BC15E4}" type="datetimeFigureOut">
+            <a:fld id="{6FA233B1-A11D-48BA-AE03-0277F67C2DB3}" type="datetimeFigureOut">
               <a:rPr lang="zh-CN" altLang="en-US" smtClean="0"/>
               <a:t>2024/3/10</a:t>
             </a:fld>
@@ -2674,7 +2674,7 @@
           <p:cNvPr id="6" name="页脚占位符 5">
             <a:extLst>
               <a:ext uri="{FF2B5EF4-FFF2-40B4-BE49-F238E27FC236}">
-                <a16:creationId xmlns:a16="http://schemas.microsoft.com/office/drawing/2014/main" id="{2CBA00EB-494D-1498-2F1F-CA28F8307670}"/>
+                <a16:creationId xmlns:a16="http://schemas.microsoft.com/office/drawing/2014/main" id="{13A25BDA-B57B-3669-7878-7C1D053043EE}"/>
               </a:ext>
             </a:extLst>
           </p:cNvPr>
@@ -2699,7 +2699,7 @@
           <p:cNvPr id="7" name="灯片编号占位符 6">
             <a:extLst>
               <a:ext uri="{FF2B5EF4-FFF2-40B4-BE49-F238E27FC236}">
-                <a16:creationId xmlns:a16="http://schemas.microsoft.com/office/drawing/2014/main" id="{F9D1196C-F891-5D59-24CD-A7A94D1966AC}"/>
+                <a16:creationId xmlns:a16="http://schemas.microsoft.com/office/drawing/2014/main" id="{1CAD0601-9892-E8FC-6FC3-4C840E14F669}"/>
               </a:ext>
             </a:extLst>
           </p:cNvPr>
@@ -2715,7 +2715,7 @@
           <a:bodyPr/>
           <a:lstStyle/>
           <a:p>
-            <a:fld id="{1FCD674C-25E6-49CA-81EF-482AF7C2B56D}" type="slidenum">
+            <a:fld id="{47E6BA46-9E07-4799-8CCE-7EB2DF42C247}" type="slidenum">
               <a:rPr lang="zh-CN" altLang="en-US" smtClean="0"/>
               <a:t>‹#›</a:t>
             </a:fld>
@@ -2726,7 +2726,7 @@
     </p:spTree>
     <p:extLst>
       <p:ext uri="{BB962C8B-B14F-4D97-AF65-F5344CB8AC3E}">
-        <p14:creationId xmlns:p14="http://schemas.microsoft.com/office/powerpoint/2010/main" val="3940435522"/>
+        <p14:creationId xmlns:p14="http://schemas.microsoft.com/office/powerpoint/2010/main" val="1581073282"/>
       </p:ext>
     </p:extLst>
   </p:cSld>
@@ -2763,7 +2763,7 @@
           <p:cNvPr id="2" name="标题占位符 1">
             <a:extLst>
               <a:ext uri="{FF2B5EF4-FFF2-40B4-BE49-F238E27FC236}">
-                <a16:creationId xmlns:a16="http://schemas.microsoft.com/office/drawing/2014/main" id="{D4D86D7F-D799-FBCE-D1FF-C8EF71683DD6}"/>
+                <a16:creationId xmlns:a16="http://schemas.microsoft.com/office/drawing/2014/main" id="{D8C0E0BA-8EAA-CC33-54F6-218EC6730390}"/>
               </a:ext>
             </a:extLst>
           </p:cNvPr>
@@ -2801,7 +2801,7 @@
           <p:cNvPr id="3" name="文本占位符 2">
             <a:extLst>
               <a:ext uri="{FF2B5EF4-FFF2-40B4-BE49-F238E27FC236}">
-                <a16:creationId xmlns:a16="http://schemas.microsoft.com/office/drawing/2014/main" id="{A5E67A12-8736-29EB-CB8B-2C394E1E28AB}"/>
+                <a16:creationId xmlns:a16="http://schemas.microsoft.com/office/drawing/2014/main" id="{ACD33A2F-ACE7-F4DC-9136-B188293DB591}"/>
               </a:ext>
             </a:extLst>
           </p:cNvPr>
@@ -2868,7 +2868,7 @@
           <p:cNvPr id="4" name="日期占位符 3">
             <a:extLst>
               <a:ext uri="{FF2B5EF4-FFF2-40B4-BE49-F238E27FC236}">
-                <a16:creationId xmlns:a16="http://schemas.microsoft.com/office/drawing/2014/main" id="{93A0B7D4-8870-D67B-4F52-EC50536072AC}"/>
+                <a16:creationId xmlns:a16="http://schemas.microsoft.com/office/drawing/2014/main" id="{5F6A1AA2-C62C-53F7-C243-1D367FEE4AE2}"/>
               </a:ext>
             </a:extLst>
           </p:cNvPr>
@@ -2902,7 +2902,7 @@
             </a:lvl1pPr>
           </a:lstStyle>
           <a:p>
-            <a:fld id="{5AA515F3-6695-4DE3-8B18-C9C5F0BC15E4}" type="datetimeFigureOut">
+            <a:fld id="{6FA233B1-A11D-48BA-AE03-0277F67C2DB3}" type="datetimeFigureOut">
               <a:rPr lang="zh-CN" altLang="en-US" smtClean="0"/>
               <a:t>2024/3/10</a:t>
             </a:fld>
@@ -2915,7 +2915,7 @@
           <p:cNvPr id="5" name="页脚占位符 4">
             <a:extLst>
               <a:ext uri="{FF2B5EF4-FFF2-40B4-BE49-F238E27FC236}">
-                <a16:creationId xmlns:a16="http://schemas.microsoft.com/office/drawing/2014/main" id="{42C21D58-5804-A67C-B26D-B928E0D76947}"/>
+                <a16:creationId xmlns:a16="http://schemas.microsoft.com/office/drawing/2014/main" id="{552156E2-C063-FED1-1C90-5AAA3F796DE9}"/>
               </a:ext>
             </a:extLst>
           </p:cNvPr>
@@ -2958,7 +2958,7 @@
           <p:cNvPr id="6" name="灯片编号占位符 5">
             <a:extLst>
               <a:ext uri="{FF2B5EF4-FFF2-40B4-BE49-F238E27FC236}">
-                <a16:creationId xmlns:a16="http://schemas.microsoft.com/office/drawing/2014/main" id="{F81113E8-3927-E452-B4C8-3E8A93F3EB29}"/>
+                <a16:creationId xmlns:a16="http://schemas.microsoft.com/office/drawing/2014/main" id="{CA57DE1F-3A3F-C783-383B-1619D1A87069}"/>
               </a:ext>
             </a:extLst>
           </p:cNvPr>
@@ -2992,7 +2992,7 @@
             </a:lvl1pPr>
           </a:lstStyle>
           <a:p>
-            <a:fld id="{1FCD674C-25E6-49CA-81EF-482AF7C2B56D}" type="slidenum">
+            <a:fld id="{47E6BA46-9E07-4799-8CCE-7EB2DF42C247}" type="slidenum">
               <a:rPr lang="zh-CN" altLang="en-US" smtClean="0"/>
               <a:t>‹#›</a:t>
             </a:fld>
@@ -3003,7 +3003,7 @@
     </p:spTree>
     <p:extLst>
       <p:ext uri="{BB962C8B-B14F-4D97-AF65-F5344CB8AC3E}">
-        <p14:creationId xmlns:p14="http://schemas.microsoft.com/office/powerpoint/2010/main" val="558582011"/>
+        <p14:creationId xmlns:p14="http://schemas.microsoft.com/office/powerpoint/2010/main" val="1979686047"/>
       </p:ext>
     </p:extLst>
   </p:cSld>
@@ -3323,7 +3323,7 @@
       </p:grpSpPr>
       <p:pic>
         <p:nvPicPr>
-          <p:cNvPr id="413698" name="Picture 2" descr="403"/>
+          <p:cNvPr id="414722" name="Picture 2" descr="404"/>
           <p:cNvPicPr>
             <a:picLocks noChangeAspect="1" noChangeArrowheads="1"/>
           </p:cNvPicPr>
@@ -3344,8 +3344,8 @@
         </p:blipFill>
         <p:spPr bwMode="auto">
           <a:xfrm>
-            <a:off x="1524000" y="1"/>
-            <a:ext cx="9124950" cy="6843713"/>
+            <a:off x="1524000" y="0"/>
+            <a:ext cx="9144000" cy="6858000"/>
           </a:xfrm>
           <a:prstGeom prst="rect">
             <a:avLst/>
@@ -3375,11 +3375,158 @@
           </a:extLst>
         </p:spPr>
       </p:pic>
+      <p:pic>
+        <p:nvPicPr>
+          <p:cNvPr id="415747" name="Picture 3" descr="404-2"/>
+          <p:cNvPicPr>
+            <a:picLocks noChangeAspect="1" noChangeArrowheads="1"/>
+          </p:cNvPicPr>
+          <p:nvPr/>
+        </p:nvPicPr>
+        <p:blipFill>
+          <a:blip r:embed="rId3">
+            <a:extLst>
+              <a:ext uri="{28A0092B-C50C-407E-A947-70E740481C1C}">
+                <a14:useLocalDpi xmlns:a14="http://schemas.microsoft.com/office/drawing/2010/main" val="0"/>
+              </a:ext>
+            </a:extLst>
+          </a:blip>
+          <a:srcRect/>
+          <a:stretch>
+            <a:fillRect/>
+          </a:stretch>
+        </p:blipFill>
+        <p:spPr bwMode="auto">
+          <a:xfrm>
+            <a:off x="1503362" y="0"/>
+            <a:ext cx="9128126" cy="6858000"/>
+          </a:xfrm>
+          <a:prstGeom prst="rect">
+            <a:avLst/>
+          </a:prstGeom>
+          <a:noFill/>
+          <a:ln>
+            <a:noFill/>
+          </a:ln>
+          <a:effectLst/>
+          <a:extLst>
+            <a:ext uri="{909E8E84-426E-40DD-AFC4-6F175D3DCCD1}">
+              <a14:hiddenFill xmlns:a14="http://schemas.microsoft.com/office/drawing/2010/main">
+                <a:solidFill>
+                  <a:srgbClr val="FFFFFF"/>
+                </a:solidFill>
+              </a14:hiddenFill>
+            </a:ext>
+            <a:ext uri="{91240B29-F687-4F45-9708-019B960494DF}">
+              <a14:hiddenLine xmlns:a14="http://schemas.microsoft.com/office/drawing/2010/main" w="9525">
+                <a:solidFill>
+                  <a:srgbClr val="000000"/>
+                </a:solidFill>
+                <a:miter lim="800000"/>
+                <a:headEnd/>
+                <a:tailEnd/>
+              </a14:hiddenLine>
+            </a:ext>
+            <a:ext uri="{AF507438-7753-43E0-B8FC-AC1667EBCBE1}">
+              <a14:hiddenEffects xmlns:a14="http://schemas.microsoft.com/office/drawing/2010/main">
+                <a:effectLst>
+                  <a:outerShdw dist="35921" dir="2700000" algn="ctr" rotWithShape="0">
+                    <a:srgbClr val="808080"/>
+                  </a:outerShdw>
+                </a:effectLst>
+              </a14:hiddenEffects>
+            </a:ext>
+          </a:extLst>
+        </p:spPr>
+      </p:pic>
     </p:spTree>
   </p:cSld>
   <p:clrMapOvr>
     <a:masterClrMapping/>
   </p:clrMapOvr>
+  <p:timing>
+    <p:tnLst>
+      <p:par>
+        <p:cTn id="1" dur="indefinite" restart="never" nodeType="tmRoot">
+          <p:childTnLst>
+            <p:seq concurrent="1" nextAc="seek">
+              <p:cTn id="2" dur="indefinite" nodeType="mainSeq">
+                <p:childTnLst>
+                  <p:par>
+                    <p:cTn id="3" fill="hold" nodeType="clickPar">
+                      <p:stCondLst>
+                        <p:cond delay="indefinite"/>
+                      </p:stCondLst>
+                      <p:childTnLst>
+                        <p:par>
+                          <p:cTn id="4" fill="hold" nodeType="withGroup">
+                            <p:stCondLst>
+                              <p:cond delay="0"/>
+                            </p:stCondLst>
+                            <p:childTnLst>
+                              <p:par>
+                                <p:cTn id="5" presetID="10" presetClass="entr" presetSubtype="0" fill="hold" nodeType="clickEffect">
+                                  <p:stCondLst>
+                                    <p:cond delay="0"/>
+                                  </p:stCondLst>
+                                  <p:childTnLst>
+                                    <p:set>
+                                      <p:cBhvr>
+                                        <p:cTn id="6" dur="1" fill="hold">
+                                          <p:stCondLst>
+                                            <p:cond delay="0"/>
+                                          </p:stCondLst>
+                                        </p:cTn>
+                                        <p:tgtEl>
+                                          <p:spTgt spid="415747"/>
+                                        </p:tgtEl>
+                                        <p:attrNameLst>
+                                          <p:attrName>style.visibility</p:attrName>
+                                        </p:attrNameLst>
+                                      </p:cBhvr>
+                                      <p:to>
+                                        <p:strVal val="visible"/>
+                                      </p:to>
+                                    </p:set>
+                                    <p:animEffect transition="in" filter="fade">
+                                      <p:cBhvr>
+                                        <p:cTn id="7" dur="500"/>
+                                        <p:tgtEl>
+                                          <p:spTgt spid="415747"/>
+                                        </p:tgtEl>
+                                      </p:cBhvr>
+                                    </p:animEffect>
+                                  </p:childTnLst>
+                                </p:cTn>
+                              </p:par>
+                            </p:childTnLst>
+                          </p:cTn>
+                        </p:par>
+                      </p:childTnLst>
+                    </p:cTn>
+                  </p:par>
+                </p:childTnLst>
+              </p:cTn>
+              <p:prevCondLst>
+                <p:cond evt="onPrev" delay="0">
+                  <p:tgtEl>
+                    <p:sldTgt/>
+                  </p:tgtEl>
+                </p:cond>
+              </p:prevCondLst>
+              <p:nextCondLst>
+                <p:cond evt="onNext" delay="0">
+                  <p:tgtEl>
+                    <p:sldTgt/>
+                  </p:tgtEl>
+                </p:cond>
+              </p:nextCondLst>
+            </p:seq>
+          </p:childTnLst>
+        </p:cTn>
+      </p:par>
+    </p:tnLst>
+  </p:timing>
 </p:sld>
 </file>
 
